--- a/Konfliktverlauf und Konfliktpositionen.pptx
+++ b/Konfliktverlauf und Konfliktpositionen.pptx
@@ -212,7 +212,7 @@
           <a:p>
             <a:fld id="{A99ED284-5541-437A-892A-F4EC371FD996}" type="datetimeFigureOut">
               <a:rPr lang="de-DE" smtClean="0"/>
-              <a:t>13.04.2017</a:t>
+              <a:t>24.04.2017</a:t>
             </a:fld>
             <a:endParaRPr lang="de-DE"/>
           </a:p>
@@ -705,7 +705,7 @@
           <a:p>
             <a:fld id="{C6A9FB86-3359-45CF-AB96-D3167F5C8192}" type="datetime1">
               <a:rPr lang="de-DE" smtClean="0"/>
-              <a:t>13.04.2017</a:t>
+              <a:t>24.04.2017</a:t>
             </a:fld>
             <a:endParaRPr lang="en-US" dirty="0"/>
           </a:p>
@@ -912,7 +912,7 @@
           <a:p>
             <a:fld id="{193EF7CB-D490-424A-A5C7-82EEBA69A048}" type="datetime1">
               <a:rPr lang="de-DE" smtClean="0"/>
-              <a:t>13.04.2017</a:t>
+              <a:t>24.04.2017</a:t>
             </a:fld>
             <a:endParaRPr lang="en-US" dirty="0"/>
           </a:p>
@@ -1167,7 +1167,7 @@
           <a:p>
             <a:fld id="{50E8A127-F43F-476D-A28D-6EF2B210FD9C}" type="datetime1">
               <a:rPr lang="de-DE" smtClean="0"/>
-              <a:t>13.04.2017</a:t>
+              <a:t>24.04.2017</a:t>
             </a:fld>
             <a:endParaRPr lang="en-US" dirty="0"/>
           </a:p>
@@ -1336,7 +1336,7 @@
           <a:p>
             <a:fld id="{82FB9087-5383-493F-9C3C-39380E769055}" type="datetime1">
               <a:rPr lang="de-DE" smtClean="0"/>
-              <a:t>13.04.2017</a:t>
+              <a:t>24.04.2017</a:t>
             </a:fld>
             <a:endParaRPr lang="en-US" dirty="0"/>
           </a:p>
@@ -1678,7 +1678,7 @@
           <a:p>
             <a:fld id="{206BAF39-DA23-4162-A5F4-ACBC8695B5F5}" type="datetime1">
               <a:rPr lang="de-DE" smtClean="0"/>
-              <a:t>13.04.2017</a:t>
+              <a:t>24.04.2017</a:t>
             </a:fld>
             <a:endParaRPr lang="en-US" dirty="0"/>
           </a:p>
@@ -1952,7 +1952,7 @@
           <a:p>
             <a:fld id="{D0F8A5CA-004C-4622-B276-29C51080D1B1}" type="datetime1">
               <a:rPr lang="de-DE" smtClean="0"/>
-              <a:t>13.04.2017</a:t>
+              <a:t>24.04.2017</a:t>
             </a:fld>
             <a:endParaRPr lang="en-US" dirty="0"/>
           </a:p>
@@ -2330,7 +2330,7 @@
           <a:p>
             <a:fld id="{261C2515-8382-4202-9891-323E92F3C063}" type="datetime1">
               <a:rPr lang="de-DE" smtClean="0"/>
-              <a:t>13.04.2017</a:t>
+              <a:t>24.04.2017</a:t>
             </a:fld>
             <a:endParaRPr lang="en-US" dirty="0"/>
           </a:p>
@@ -2447,7 +2447,7 @@
           <a:p>
             <a:fld id="{62928198-9C20-4E29-AF1D-1CC0C8CFE53A}" type="datetime1">
               <a:rPr lang="de-DE" smtClean="0"/>
-              <a:t>13.04.2017</a:t>
+              <a:t>24.04.2017</a:t>
             </a:fld>
             <a:endParaRPr lang="en-US" dirty="0"/>
           </a:p>
@@ -2617,7 +2617,7 @@
           <a:p>
             <a:fld id="{54C9F268-4B69-4000-BDB0-D13A810D1C7B}" type="datetime1">
               <a:rPr lang="de-DE" smtClean="0"/>
-              <a:t>13.04.2017</a:t>
+              <a:t>24.04.2017</a:t>
             </a:fld>
             <a:endParaRPr lang="en-US" dirty="0"/>
           </a:p>
@@ -2971,7 +2971,7 @@
           <a:p>
             <a:fld id="{A9E73DBC-03FA-44D7-B604-6499EE49CEEC}" type="datetime1">
               <a:rPr lang="de-DE" smtClean="0"/>
-              <a:t>13.04.2017</a:t>
+              <a:t>24.04.2017</a:t>
             </a:fld>
             <a:endParaRPr lang="en-US" dirty="0"/>
           </a:p>
@@ -3348,7 +3348,7 @@
           <a:p>
             <a:fld id="{5BF7E5D6-5576-46C2-8E30-136C67394299}" type="datetime1">
               <a:rPr lang="de-DE" smtClean="0"/>
-              <a:t>13.04.2017</a:t>
+              <a:t>24.04.2017</a:t>
             </a:fld>
             <a:endParaRPr lang="en-US" dirty="0"/>
           </a:p>
@@ -3634,7 +3634,7 @@
           <a:p>
             <a:fld id="{2AF3F792-CA21-4F5F-968F-97D493AB46CA}" type="datetime1">
               <a:rPr lang="de-DE" smtClean="0"/>
-              <a:t>13.04.2017</a:t>
+              <a:t>24.04.2017</a:t>
             </a:fld>
             <a:endParaRPr lang="en-US" dirty="0"/>
           </a:p>
@@ -4217,7 +4217,7 @@
           <a:p>
             <a:fld id="{B0DE36EB-9CD8-4787-B2DB-6BC621BFF2D0}" type="datetime1">
               <a:rPr lang="de-DE" smtClean="0"/>
-              <a:t>13.04.2017</a:t>
+              <a:t>24.04.2017</a:t>
             </a:fld>
             <a:endParaRPr lang="en-US" dirty="0"/>
           </a:p>
@@ -4466,7 +4466,7 @@
           <a:p>
             <a:fld id="{261C2515-8382-4202-9891-323E92F3C063}" type="datetime1">
               <a:rPr lang="de-DE" smtClean="0"/>
-              <a:t>13.04.2017</a:t>
+              <a:t>24.04.2017</a:t>
             </a:fld>
             <a:endParaRPr lang="en-US" dirty="0"/>
           </a:p>
@@ -4697,7 +4697,7 @@
           <a:p>
             <a:fld id="{261C2515-8382-4202-9891-323E92F3C063}" type="datetime1">
               <a:rPr lang="de-DE" smtClean="0"/>
-              <a:t>13.04.2017</a:t>
+              <a:t>24.04.2017</a:t>
             </a:fld>
             <a:endParaRPr lang="en-US" dirty="0"/>
           </a:p>
@@ -4948,7 +4948,7 @@
           <a:p>
             <a:fld id="{261C2515-8382-4202-9891-323E92F3C063}" type="datetime1">
               <a:rPr lang="de-DE" smtClean="0"/>
-              <a:t>13.04.2017</a:t>
+              <a:t>24.04.2017</a:t>
             </a:fld>
             <a:endParaRPr lang="en-US" dirty="0"/>
           </a:p>
@@ -5158,7 +5158,7 @@
           <a:p>
             <a:fld id="{261C2515-8382-4202-9891-323E92F3C063}" type="datetime1">
               <a:rPr lang="de-DE" smtClean="0"/>
-              <a:t>13.04.2017</a:t>
+              <a:t>24.04.2017</a:t>
             </a:fld>
             <a:endParaRPr lang="en-US" dirty="0"/>
           </a:p>
@@ -5437,7 +5437,7 @@
           <a:p>
             <a:fld id="{261C2515-8382-4202-9891-323E92F3C063}" type="datetime1">
               <a:rPr lang="de-DE" smtClean="0"/>
-              <a:t>13.04.2017</a:t>
+              <a:t>24.04.2017</a:t>
             </a:fld>
             <a:endParaRPr lang="en-US" dirty="0"/>
           </a:p>
@@ -5669,7 +5669,7 @@
           <a:p>
             <a:fld id="{261C2515-8382-4202-9891-323E92F3C063}" type="datetime1">
               <a:rPr lang="de-DE" smtClean="0"/>
-              <a:t>13.04.2017</a:t>
+              <a:t>24.04.2017</a:t>
             </a:fld>
             <a:endParaRPr lang="en-US" dirty="0"/>
           </a:p>
@@ -5898,7 +5898,19 @@
               <a:rPr lang="de-DE" dirty="0">
                 <a:sym typeface="Wingdings" panose="05000000000000000000" pitchFamily="2" charset="2"/>
               </a:rPr>
-              <a:t> Man muss früh im Konflikt einen Konsens erreichen, um Eskalation des Konflikts vorzubeugen und Nachteile für die Parteien herbeizuführen</a:t>
+              <a:t> Man muss früh im Konflikt einen Konsens erreichen, um Eskalation des Konflikts vorzubeugen </a:t>
+            </a:r>
+            <a:r>
+              <a:rPr lang="de-DE">
+                <a:sym typeface="Wingdings" panose="05000000000000000000" pitchFamily="2" charset="2"/>
+              </a:rPr>
+              <a:t>und keine </a:t>
+            </a:r>
+            <a:r>
+              <a:rPr lang="de-DE" dirty="0">
+                <a:sym typeface="Wingdings" panose="05000000000000000000" pitchFamily="2" charset="2"/>
+              </a:rPr>
+              <a:t>Nachteile für die Parteien herbeizuführen</a:t>
             </a:r>
             <a:endParaRPr lang="de-DE" dirty="0"/>
           </a:p>
@@ -5921,7 +5933,7 @@
           <a:p>
             <a:fld id="{82FB9087-5383-493F-9C3C-39380E769055}" type="datetime1">
               <a:rPr lang="de-DE" smtClean="0"/>
-              <a:t>13.04.2017</a:t>
+              <a:t>24.04.2017</a:t>
             </a:fld>
             <a:endParaRPr lang="en-US" dirty="0"/>
           </a:p>
@@ -6118,7 +6130,7 @@
           <a:p>
             <a:fld id="{F732B12D-965A-421A-A249-59AE37E18EB0}" type="datetime1">
               <a:rPr lang="de-DE" smtClean="0"/>
-              <a:t>13.04.2017</a:t>
+              <a:t>24.04.2017</a:t>
             </a:fld>
             <a:endParaRPr lang="en-US" dirty="0"/>
           </a:p>
@@ -6391,7 +6403,7 @@
           <a:p>
             <a:fld id="{82FB9087-5383-493F-9C3C-39380E769055}" type="datetime1">
               <a:rPr lang="de-DE" smtClean="0"/>
-              <a:t>13.04.2017</a:t>
+              <a:t>24.04.2017</a:t>
             </a:fld>
             <a:endParaRPr lang="en-US" dirty="0"/>
           </a:p>
@@ -6634,7 +6646,7 @@
           <a:p>
             <a:fld id="{82FB9087-5383-493F-9C3C-39380E769055}" type="datetime1">
               <a:rPr lang="de-DE" smtClean="0"/>
-              <a:t>13.04.2017</a:t>
+              <a:t>24.04.2017</a:t>
             </a:fld>
             <a:endParaRPr lang="en-US" dirty="0"/>
           </a:p>
@@ -6842,7 +6854,7 @@
           <a:p>
             <a:fld id="{82FB9087-5383-493F-9C3C-39380E769055}" type="datetime1">
               <a:rPr lang="de-DE" smtClean="0"/>
-              <a:t>13.04.2017</a:t>
+              <a:t>24.04.2017</a:t>
             </a:fld>
             <a:endParaRPr lang="en-US" dirty="0"/>
           </a:p>
@@ -7115,7 +7127,7 @@
           <a:p>
             <a:fld id="{D0F8A5CA-004C-4622-B276-29C51080D1B1}" type="datetime1">
               <a:rPr lang="de-DE" smtClean="0"/>
-              <a:t>13.04.2017</a:t>
+              <a:t>24.04.2017</a:t>
             </a:fld>
             <a:endParaRPr lang="en-US" dirty="0"/>
           </a:p>
@@ -7360,7 +7372,7 @@
           <a:p>
             <a:fld id="{261C2515-8382-4202-9891-323E92F3C063}" type="datetime1">
               <a:rPr lang="de-DE" smtClean="0"/>
-              <a:t>13.04.2017</a:t>
+              <a:t>24.04.2017</a:t>
             </a:fld>
             <a:endParaRPr lang="en-US" dirty="0"/>
           </a:p>
@@ -7610,7 +7622,7 @@
           <a:p>
             <a:fld id="{261C2515-8382-4202-9891-323E92F3C063}" type="datetime1">
               <a:rPr lang="de-DE" smtClean="0"/>
-              <a:t>13.04.2017</a:t>
+              <a:t>24.04.2017</a:t>
             </a:fld>
             <a:endParaRPr lang="en-US" dirty="0"/>
           </a:p>
@@ -7862,7 +7874,7 @@
           <a:p>
             <a:fld id="{261C2515-8382-4202-9891-323E92F3C063}" type="datetime1">
               <a:rPr lang="de-DE" smtClean="0"/>
-              <a:t>13.04.2017</a:t>
+              <a:t>24.04.2017</a:t>
             </a:fld>
             <a:endParaRPr lang="en-US" dirty="0"/>
           </a:p>

--- a/Konfliktverlauf und Konfliktpositionen.pptx
+++ b/Konfliktverlauf und Konfliktpositionen.pptx
@@ -5,7 +5,7 @@
     <p:sldMasterId id="2147483648" r:id="rId1"/>
   </p:sldMasterIdLst>
   <p:notesMasterIdLst>
-    <p:notesMasterId r:id="rId18"/>
+    <p:notesMasterId r:id="rId19"/>
   </p:notesMasterIdLst>
   <p:sldIdLst>
     <p:sldId id="256" r:id="rId2"/>
@@ -24,6 +24,7 @@
     <p:sldId id="265" r:id="rId15"/>
     <p:sldId id="266" r:id="rId16"/>
     <p:sldId id="267" r:id="rId17"/>
+    <p:sldId id="272" r:id="rId18"/>
   </p:sldIdLst>
   <p:sldSz cx="12192000" cy="6858000"/>
   <p:notesSz cx="6858000" cy="9144000"/>
@@ -126,6 +127,9 @@
     <p:ext uri="{EFAFB233-063F-42B5-8137-9DF3F51BA10A}">
       <p15:sldGuideLst xmlns:p15="http://schemas.microsoft.com/office/powerpoint/2012/main"/>
     </p:ext>
+    <p:ext uri="{2D200454-40CA-4A62-9FC3-DE9A4176ACB9}">
+      <p15:notesGuideLst xmlns:p15="http://schemas.microsoft.com/office/powerpoint/2012/main"/>
+    </p:ext>
   </p:extLst>
 </p:presentation>
 </file>
@@ -477,6 +481,90 @@
     </a:lvl9pPr>
   </p:notesStyle>
 </p:notesMaster>
+</file>
+
+<file path=ppt/notesSlides/notesSlide1.xml><?xml version="1.0" encoding="utf-8"?>
+<p:notes xmlns:a="http://schemas.openxmlformats.org/drawingml/2006/main" xmlns:r="http://schemas.openxmlformats.org/officeDocument/2006/relationships" xmlns:p="http://schemas.openxmlformats.org/presentationml/2006/main">
+  <p:cSld>
+    <p:spTree>
+      <p:nvGrpSpPr>
+        <p:cNvPr id="1" name=""/>
+        <p:cNvGrpSpPr/>
+        <p:nvPr/>
+      </p:nvGrpSpPr>
+      <p:grpSpPr>
+        <a:xfrm>
+          <a:off x="0" y="0"/>
+          <a:ext cx="0" cy="0"/>
+          <a:chOff x="0" y="0"/>
+          <a:chExt cx="0" cy="0"/>
+        </a:xfrm>
+      </p:grpSpPr>
+      <p:sp>
+        <p:nvSpPr>
+          <p:cNvPr id="2" name="Folienbildplatzhalter 1"/>
+          <p:cNvSpPr>
+            <a:spLocks noGrp="1" noRot="1" noChangeAspect="1"/>
+          </p:cNvSpPr>
+          <p:nvPr>
+            <p:ph type="sldImg"/>
+          </p:nvPr>
+        </p:nvSpPr>
+        <p:spPr/>
+      </p:sp>
+      <p:sp>
+        <p:nvSpPr>
+          <p:cNvPr id="3" name="Notizenplatzhalter 2"/>
+          <p:cNvSpPr>
+            <a:spLocks noGrp="1"/>
+          </p:cNvSpPr>
+          <p:nvPr>
+            <p:ph type="body" idx="1"/>
+          </p:nvPr>
+        </p:nvSpPr>
+        <p:spPr/>
+        <p:txBody>
+          <a:bodyPr/>
+          <a:lstStyle/>
+          <a:p>
+            <a:endParaRPr lang="de-DE" dirty="0"/>
+          </a:p>
+        </p:txBody>
+      </p:sp>
+      <p:sp>
+        <p:nvSpPr>
+          <p:cNvPr id="4" name="Foliennummernplatzhalter 3"/>
+          <p:cNvSpPr>
+            <a:spLocks noGrp="1"/>
+          </p:cNvSpPr>
+          <p:nvPr>
+            <p:ph type="sldNum" sz="quarter" idx="10"/>
+          </p:nvPr>
+        </p:nvSpPr>
+        <p:spPr/>
+        <p:txBody>
+          <a:bodyPr/>
+          <a:lstStyle/>
+          <a:p>
+            <a:fld id="{A925D862-4C02-48FA-A6CD-C2E747C7DCC0}" type="slidenum">
+              <a:rPr lang="de-DE" smtClean="0"/>
+              <a:t>1</a:t>
+            </a:fld>
+            <a:endParaRPr lang="de-DE"/>
+          </a:p>
+        </p:txBody>
+      </p:sp>
+    </p:spTree>
+    <p:extLst>
+      <p:ext uri="{BB962C8B-B14F-4D97-AF65-F5344CB8AC3E}">
+        <p14:creationId xmlns:p14="http://schemas.microsoft.com/office/powerpoint/2010/main" val="2089658855"/>
+      </p:ext>
+    </p:extLst>
+  </p:cSld>
+  <p:clrMapOvr>
+    <a:masterClrMapping/>
+  </p:clrMapOvr>
+</p:notes>
 </file>
 
 <file path=ppt/slideLayouts/slideLayout1.xml><?xml version="1.0" encoding="utf-8"?>
@@ -4183,25 +4271,6 @@
       </p:sp>
       <p:sp>
         <p:nvSpPr>
-          <p:cNvPr id="7" name="Untertitel 6"/>
-          <p:cNvSpPr>
-            <a:spLocks noGrp="1"/>
-          </p:cNvSpPr>
-          <p:nvPr>
-            <p:ph type="subTitle" idx="1"/>
-          </p:nvPr>
-        </p:nvSpPr>
-        <p:spPr/>
-        <p:txBody>
-          <a:bodyPr/>
-          <a:lstStyle/>
-          <a:p>
-            <a:endParaRPr lang="de-DE"/>
-          </a:p>
-        </p:txBody>
-      </p:sp>
-      <p:sp>
-        <p:nvSpPr>
           <p:cNvPr id="4" name="Datumsplatzhalter 3"/>
           <p:cNvSpPr>
             <a:spLocks noGrp="1"/>
@@ -5989,6 +6058,135 @@
     <p:extLst>
       <p:ext uri="{BB962C8B-B14F-4D97-AF65-F5344CB8AC3E}">
         <p14:creationId xmlns:p14="http://schemas.microsoft.com/office/powerpoint/2010/main" val="3184132539"/>
+      </p:ext>
+    </p:extLst>
+  </p:cSld>
+  <p:clrMapOvr>
+    <a:masterClrMapping/>
+  </p:clrMapOvr>
+</p:sld>
+</file>
+
+<file path=ppt/slides/slide17.xml><?xml version="1.0" encoding="utf-8"?>
+<p:sld xmlns:a="http://schemas.openxmlformats.org/drawingml/2006/main" xmlns:r="http://schemas.openxmlformats.org/officeDocument/2006/relationships" xmlns:p="http://schemas.openxmlformats.org/presentationml/2006/main">
+  <p:cSld>
+    <p:spTree>
+      <p:nvGrpSpPr>
+        <p:cNvPr id="1" name=""/>
+        <p:cNvGrpSpPr/>
+        <p:nvPr/>
+      </p:nvGrpSpPr>
+      <p:grpSpPr>
+        <a:xfrm>
+          <a:off x="0" y="0"/>
+          <a:ext cx="0" cy="0"/>
+          <a:chOff x="0" y="0"/>
+          <a:chExt cx="0" cy="0"/>
+        </a:xfrm>
+      </p:grpSpPr>
+      <p:sp>
+        <p:nvSpPr>
+          <p:cNvPr id="4" name="Datumsplatzhalter 3"/>
+          <p:cNvSpPr>
+            <a:spLocks noGrp="1"/>
+          </p:cNvSpPr>
+          <p:nvPr>
+            <p:ph type="dt" sz="half" idx="10"/>
+          </p:nvPr>
+        </p:nvSpPr>
+        <p:spPr/>
+        <p:txBody>
+          <a:bodyPr/>
+          <a:lstStyle/>
+          <a:p>
+            <a:fld id="{82FB9087-5383-493F-9C3C-39380E769055}" type="datetime1">
+              <a:rPr lang="de-DE" smtClean="0"/>
+              <a:t>24.04.2017</a:t>
+            </a:fld>
+            <a:endParaRPr lang="en-US" dirty="0"/>
+          </a:p>
+        </p:txBody>
+      </p:sp>
+      <p:sp>
+        <p:nvSpPr>
+          <p:cNvPr id="5" name="Fußzeilenplatzhalter 4"/>
+          <p:cNvSpPr>
+            <a:spLocks noGrp="1"/>
+          </p:cNvSpPr>
+          <p:nvPr>
+            <p:ph type="ftr" sz="quarter" idx="11"/>
+          </p:nvPr>
+        </p:nvSpPr>
+        <p:spPr/>
+        <p:txBody>
+          <a:bodyPr/>
+          <a:lstStyle/>
+          <a:p>
+            <a:r>
+              <a:rPr lang="en-US"/>
+              <a:t>Maximilian Bröer, Fabian Nawrath, Nadine Schwenke</a:t>
+            </a:r>
+            <a:endParaRPr lang="en-US" dirty="0"/>
+          </a:p>
+        </p:txBody>
+      </p:sp>
+      <p:sp>
+        <p:nvSpPr>
+          <p:cNvPr id="6" name="Foliennummernplatzhalter 5"/>
+          <p:cNvSpPr>
+            <a:spLocks noGrp="1"/>
+          </p:cNvSpPr>
+          <p:nvPr>
+            <p:ph type="sldNum" sz="quarter" idx="12"/>
+          </p:nvPr>
+        </p:nvSpPr>
+        <p:spPr/>
+        <p:txBody>
+          <a:bodyPr/>
+          <a:lstStyle/>
+          <a:p>
+            <a:fld id="{629637A9-119A-49DA-BD12-AAC58B377D80}" type="slidenum">
+              <a:rPr lang="en-US" smtClean="0"/>
+              <a:t>17</a:t>
+            </a:fld>
+            <a:endParaRPr lang="en-US" dirty="0"/>
+          </a:p>
+        </p:txBody>
+      </p:sp>
+      <p:sp>
+        <p:nvSpPr>
+          <p:cNvPr id="7" name="Textfeld 6"/>
+          <p:cNvSpPr txBox="1"/>
+          <p:nvPr/>
+        </p:nvSpPr>
+        <p:spPr>
+          <a:xfrm>
+            <a:off x="1097280" y="914400"/>
+            <a:ext cx="10352598" cy="3046988"/>
+          </a:xfrm>
+          <a:prstGeom prst="rect">
+            <a:avLst/>
+          </a:prstGeom>
+          <a:noFill/>
+        </p:spPr>
+        <p:txBody>
+          <a:bodyPr wrap="square" rtlCol="0">
+            <a:spAutoFit/>
+          </a:bodyPr>
+          <a:lstStyle/>
+          <a:p>
+            <a:pPr algn="ctr"/>
+            <a:r>
+              <a:rPr lang="de-DE" sz="9600" dirty="0"/>
+              <a:t>Vielen Dank für eure Aufmerksamkeit</a:t>
+            </a:r>
+          </a:p>
+        </p:txBody>
+      </p:sp>
+    </p:spTree>
+    <p:extLst>
+      <p:ext uri="{BB962C8B-B14F-4D97-AF65-F5344CB8AC3E}">
+        <p14:creationId xmlns:p14="http://schemas.microsoft.com/office/powerpoint/2010/main" val="2687151761"/>
       </p:ext>
     </p:extLst>
   </p:cSld>
